--- a/region_overview.pptx
+++ b/region_overview.pptx
@@ -3150,12 +3150,12 @@
           <a:lstStyle/>
           <a:p>
             <a:r>
-              <a:t>Head Count: 9</a:t>
-            </a:r>
-          </a:p>
-          <a:p>
-            <a:r>
-              <a:t>Average IP Age: 8.0</a:t>
+              <a:t>Head Count: 60</a:t>
+            </a:r>
+          </a:p>
+          <a:p>
+            <a:r>
+              <a:t>Average IP Age: 7.99</a:t>
             </a:r>
           </a:p>
           <a:p>
@@ -3165,32 +3165,47 @@
           </a:p>
           <a:p>
             <a:r>
-              <a:t>VERSA HD           16</a:t>
-            </a:r>
-          </a:p>
-          <a:p>
-            <a:r>
-              <a:t>ELEKTA INFINITY    14</a:t>
-            </a:r>
-          </a:p>
-          <a:p>
-            <a:r>
-              <a:t>LGK Icon            6</a:t>
-            </a:r>
-          </a:p>
-          <a:p>
-            <a:r>
-              <a:t>ELEKTA SYNERGY      4</a:t>
-            </a:r>
-          </a:p>
-          <a:p>
-            <a:r>
-              <a:t>LGK Perfexion       3</a:t>
-            </a:r>
-          </a:p>
-          <a:p>
-            <a:r>
-              <a:t>UNITY SYSTEM        2</a:t>
+              <a:t>VERSA HD                   103</a:t>
+            </a:r>
+          </a:p>
+          <a:p>
+            <a:r>
+              <a:t>ELEKTA INFINITY            102</a:t>
+            </a:r>
+          </a:p>
+          <a:p>
+            <a:r>
+              <a:t>ELEKTA SYNERGY              37</a:t>
+            </a:r>
+          </a:p>
+          <a:p>
+            <a:r>
+              <a:t>LGK Icon                    32</a:t>
+            </a:r>
+          </a:p>
+          <a:p>
+            <a:r>
+              <a:t>LGK Perfexion               10</a:t>
+            </a:r>
+          </a:p>
+          <a:p>
+            <a:r>
+              <a:t>UNITY SYSTEM                 8</a:t>
+            </a:r>
+          </a:p>
+          <a:p>
+            <a:r>
+              <a:t>ELEKTA SYNERGY PLATFORM      3</a:t>
+            </a:r>
+          </a:p>
+          <a:p>
+            <a:r>
+              <a:t>ELEKTA AXESSE                1</a:t>
+            </a:r>
+          </a:p>
+          <a:p>
+            <a:r>
+              <a:t>HARMONY                      1</a:t>
             </a:r>
           </a:p>
           <a:p>
